--- a/Agility2021-Performance-basedAutoscaling.pptx
+++ b/Agility2021-Performance-basedAutoscaling.pptx
@@ -5,19 +5,18 @@
     <p:sldMasterId id="2147483648" r:id="rId4"/>
   </p:sldMasterIdLst>
   <p:notesMasterIdLst>
-    <p:notesMasterId r:id="rId12"/>
+    <p:notesMasterId r:id="rId11"/>
   </p:notesMasterIdLst>
   <p:handoutMasterIdLst>
-    <p:handoutMasterId r:id="rId13"/>
+    <p:handoutMasterId r:id="rId12"/>
   </p:handoutMasterIdLst>
   <p:sldIdLst>
     <p:sldId id="322" r:id="rId5"/>
     <p:sldId id="3749" r:id="rId6"/>
     <p:sldId id="3753" r:id="rId7"/>
     <p:sldId id="3756" r:id="rId8"/>
-    <p:sldId id="319" r:id="rId9"/>
-    <p:sldId id="3757" r:id="rId10"/>
-    <p:sldId id="321" r:id="rId11"/>
+    <p:sldId id="3757" r:id="rId9"/>
+    <p:sldId id="321" r:id="rId10"/>
   </p:sldIdLst>
   <p:sldSz cx="12192000" cy="6858000"/>
   <p:notesSz cx="6950075" cy="9236075"/>
@@ -125,7 +124,6 @@
             <p14:sldId id="3749"/>
             <p14:sldId id="3753"/>
             <p14:sldId id="3756"/>
-            <p14:sldId id="319"/>
             <p14:sldId id="3757"/>
             <p14:sldId id="321"/>
           </p14:sldIdLst>
@@ -250,7 +248,7 @@
           <a:p>
             <a:fld id="{DFD769BD-6B0D-46F1-9E9B-7E3BA769A178}" type="datetimeFigureOut">
               <a:rPr lang="en-US" smtClean="0"/>
-              <a:t>3/30/21</a:t>
+              <a:t>4/2/21</a:t>
             </a:fld>
             <a:endParaRPr lang="en-US" dirty="0"/>
           </a:p>
@@ -1967,7 +1965,7 @@
           <a:p>
             <a:fld id="{1067CBEE-1EBC-411D-9916-BDFC70C90AFF}" type="datetimeFigureOut">
               <a:rPr lang="en-US" smtClean="0"/>
-              <a:t>3/30/21</a:t>
+              <a:t>4/2/21</a:t>
             </a:fld>
             <a:endParaRPr lang="en-US" dirty="0"/>
           </a:p>
@@ -38816,84 +38814,6 @@
   <p:clrMapOvr>
     <a:masterClrMapping/>
   </p:clrMapOvr>
-  <mc:AlternateContent xmlns:mc="http://schemas.openxmlformats.org/markup-compatibility/2006">
-    <mc:Choice xmlns:p14="http://schemas.microsoft.com/office/powerpoint/2010/main" Requires="p14">
-      <p:transition spd="med" p14:dur="700">
-        <p:fade/>
-      </p:transition>
-    </mc:Choice>
-    <mc:Fallback>
-      <p:transition spd="med">
-        <p:fade/>
-      </p:transition>
-    </mc:Fallback>
-  </mc:AlternateContent>
-</p:sld>
-</file>
-
-<file path=ppt/slides/slide5.xml><?xml version="1.0" encoding="utf-8"?>
-<p:sld xmlns:a="http://schemas.openxmlformats.org/drawingml/2006/main" xmlns:r="http://schemas.openxmlformats.org/officeDocument/2006/relationships" xmlns:p="http://schemas.openxmlformats.org/presentationml/2006/main">
-  <p:cSld>
-    <p:spTree>
-      <p:nvGrpSpPr>
-        <p:cNvPr id="1" name=""/>
-        <p:cNvGrpSpPr/>
-        <p:nvPr/>
-      </p:nvGrpSpPr>
-      <p:grpSpPr>
-        <a:xfrm>
-          <a:off x="0" y="0"/>
-          <a:ext cx="0" cy="0"/>
-          <a:chOff x="0" y="0"/>
-          <a:chExt cx="0" cy="0"/>
-        </a:xfrm>
-      </p:grpSpPr>
-      <p:sp>
-        <p:nvSpPr>
-          <p:cNvPr id="3" name="Content Placeholder 2">
-            <a:extLst>
-              <a:ext uri="{FF2B5EF4-FFF2-40B4-BE49-F238E27FC236}">
-                <a16:creationId xmlns:a16="http://schemas.microsoft.com/office/drawing/2014/main" id="{62C46DAF-9CBD-49E2-A85A-848B92264E2D}"/>
-              </a:ext>
-            </a:extLst>
-          </p:cNvPr>
-          <p:cNvSpPr>
-            <a:spLocks noGrp="1"/>
-          </p:cNvSpPr>
-          <p:nvPr>
-            <p:ph idx="1"/>
-          </p:nvPr>
-        </p:nvSpPr>
-        <p:spPr/>
-        <p:txBody>
-          <a:bodyPr/>
-          <a:lstStyle/>
-          <a:p>
-            <a:pPr marL="0" indent="0"/>
-            <a:r>
-              <a:rPr lang="en-US" dirty="0"/>
-              <a:t>Let’s See it in action!</a:t>
-            </a:r>
-          </a:p>
-          <a:p>
-            <a:pPr lvl="1"/>
-            <a:r>
-              <a:rPr lang="en-US" sz="2800" dirty="0"/>
-              <a:t>Student Demonstration</a:t>
-            </a:r>
-          </a:p>
-        </p:txBody>
-      </p:sp>
-    </p:spTree>
-    <p:extLst>
-      <p:ext uri="{BB962C8B-B14F-4D97-AF65-F5344CB8AC3E}">
-        <p14:creationId xmlns:p14="http://schemas.microsoft.com/office/powerpoint/2010/main" val="3857524500"/>
-      </p:ext>
-    </p:extLst>
-  </p:cSld>
-  <p:clrMapOvr>
-    <a:masterClrMapping/>
-  </p:clrMapOvr>
   <mc:AlternateContent xmlns:mc="http://schemas.openxmlformats.org/markup-compatibility/2006" xmlns:p14="http://schemas.microsoft.com/office/powerpoint/2010/main">
     <mc:Choice Requires="p14">
       <p:transition spd="med" p14:dur="700">
@@ -38909,7 +38829,7 @@
 </p:sld>
 </file>
 
-<file path=ppt/slides/slide6.xml><?xml version="1.0" encoding="utf-8"?>
+<file path=ppt/slides/slide5.xml><?xml version="1.0" encoding="utf-8"?>
 <p:sld xmlns:a="http://schemas.openxmlformats.org/drawingml/2006/main" xmlns:r="http://schemas.openxmlformats.org/officeDocument/2006/relationships" xmlns:p="http://schemas.openxmlformats.org/presentationml/2006/main">
   <p:cSld>
     <p:spTree>
@@ -42692,7 +42612,7 @@
 </p:sld>
 </file>
 
-<file path=ppt/slides/slide7.xml><?xml version="1.0" encoding="utf-8"?>
+<file path=ppt/slides/slide6.xml><?xml version="1.0" encoding="utf-8"?>
 <p:sld xmlns:a="http://schemas.openxmlformats.org/drawingml/2006/main" xmlns:r="http://schemas.openxmlformats.org/officeDocument/2006/relationships" xmlns:p="http://schemas.openxmlformats.org/presentationml/2006/main">
   <p:cSld>
     <p:spTree>
@@ -43714,15 +43634,6 @@
 </file>
 
 <file path=customXml/item2.xml><?xml version="1.0" encoding="utf-8"?>
-<?mso-contentType ?>
-<FormTemplates xmlns="http://schemas.microsoft.com/sharepoint/v3/contenttype/forms">
-  <Display>DocumentLibraryForm</Display>
-  <Edit>DocumentLibraryForm</Edit>
-  <New>DocumentLibraryForm</New>
-</FormTemplates>
-</file>
-
-<file path=customXml/item3.xml><?xml version="1.0" encoding="utf-8"?>
 <p:properties xmlns:p="http://schemas.microsoft.com/office/2006/metadata/properties" xmlns:xsi="http://www.w3.org/2001/XMLSchema-instance" xmlns:pc="http://schemas.microsoft.com/office/infopath/2007/PartnerControls">
   <documentManagement>
     <_ip_UnifiedCompliancePolicyUIAction xmlns="http://schemas.microsoft.com/sharepoint/v3" xsi:nil="true"/>
@@ -43741,6 +43652,15 @@
     </SharedWithUsers>
   </documentManagement>
 </p:properties>
+</file>
+
+<file path=customXml/item3.xml><?xml version="1.0" encoding="utf-8"?>
+<?mso-contentType ?>
+<FormTemplates xmlns="http://schemas.microsoft.com/sharepoint/v3/contenttype/forms">
+  <Display>DocumentLibraryForm</Display>
+  <Edit>DocumentLibraryForm</Edit>
+  <New>DocumentLibraryForm</New>
+</FormTemplates>
 </file>
 
 <file path=customXml/itemProps1.xml><?xml version="1.0" encoding="utf-8"?>
@@ -43765,14 +43685,6 @@
 </file>
 
 <file path=customXml/itemProps2.xml><?xml version="1.0" encoding="utf-8"?>
-<ds:datastoreItem xmlns:ds="http://schemas.openxmlformats.org/officeDocument/2006/customXml" ds:itemID="{5A535E5C-0BF2-4DBF-89C2-207A3705E1DB}">
-  <ds:schemaRefs>
-    <ds:schemaRef ds:uri="http://schemas.microsoft.com/sharepoint/v3/contenttype/forms"/>
-  </ds:schemaRefs>
-</ds:datastoreItem>
-</file>
-
-<file path=customXml/itemProps3.xml><?xml version="1.0" encoding="utf-8"?>
 <ds:datastoreItem xmlns:ds="http://schemas.openxmlformats.org/officeDocument/2006/customXml" ds:itemID="{5597BBDB-95BA-4DB6-B989-800144BA801F}">
   <ds:schemaRefs>
     <ds:schemaRef ds:uri="http://www.w3.org/XML/1998/namespace"/>
@@ -43789,4 +43701,12 @@
     <ds:schemaRef ds:uri="e7cdeead-6725-48ab-8f7c-6d5489ea45f4"/>
   </ds:schemaRefs>
 </ds:datastoreItem>
+</file>
+
+<file path=customXml/itemProps3.xml><?xml version="1.0" encoding="utf-8"?>
+<ds:datastoreItem xmlns:ds="http://schemas.openxmlformats.org/officeDocument/2006/customXml" ds:itemID="{5A535E5C-0BF2-4DBF-89C2-207A3705E1DB}">
+  <ds:schemaRefs>
+    <ds:schemaRef ds:uri="http://schemas.microsoft.com/sharepoint/v3/contenttype/forms"/>
+  </ds:schemaRefs>
+</ds:datastoreItem>
 </file>